--- a/Final Task_Kimia Farma_Big Data Analytics__Christine Elizabeth Danitha Hutapea_.pptx
+++ b/Final Task_Kimia Farma_Big Data Analytics__Christine Elizabeth Danitha Hutapea_.pptx
@@ -21651,6 +21651,7 @@
         <p:sp>
           <p:nvSpPr>
             <p:cNvPr id="5" name="Google Shape;75;p3">
+              <a:hlinkClick r:id="rId7"/>
               <a:extLst>
                 <a:ext uri="{FF2B5EF4-FFF2-40B4-BE49-F238E27FC236}">
                   <a16:creationId xmlns:a16="http://schemas.microsoft.com/office/drawing/2014/main" id="{F36DA477-6C58-79D5-9264-0DE2C71FB189}"/>

--- a/Final Task_Kimia Farma_Big Data Analytics__Christine Elizabeth Danitha Hutapea_.pptx
+++ b/Final Task_Kimia Farma_Big Data Analytics__Christine Elizabeth Danitha Hutapea_.pptx
@@ -16027,7 +16027,7 @@
             <a:hlinkClick r:id="rId6"/>
             <a:extLst>
               <a:ext uri="{FF2B5EF4-FFF2-40B4-BE49-F238E27FC236}">
-                <a16:creationId xmlns:a16="http://schemas.microsoft.com/office/drawing/2014/main" id="{8FF773DA-A1B7-DCFE-4E53-D0F48306201D}"/>
+                <a16:creationId xmlns:a16="http://schemas.microsoft.com/office/drawing/2014/main" id="{90384922-7269-9744-1970-348BB2422EF9}"/>
               </a:ext>
             </a:extLst>
           </p:cNvPr>
@@ -16044,25 +16044,12 @@
         </p:blipFill>
         <p:spPr>
           <a:xfrm>
-            <a:off x="2009395" y="1015466"/>
-            <a:ext cx="5125210" cy="4000164"/>
+            <a:off x="1939734" y="1015466"/>
+            <a:ext cx="5264531" cy="4108903"/>
           </a:xfrm>
           <a:prstGeom prst="rect">
             <a:avLst/>
           </a:prstGeom>
-          <a:ln>
-            <a:solidFill>
-              <a:srgbClr val="F6990D"/>
-            </a:solidFill>
-          </a:ln>
-          <a:effectLst>
-            <a:glow rad="63500">
-              <a:schemeClr val="accent4">
-                <a:satMod val="175000"/>
-                <a:alpha val="40000"/>
-              </a:schemeClr>
-            </a:glow>
-          </a:effectLst>
         </p:spPr>
       </p:pic>
     </p:spTree>

--- a/Final Task_Kimia Farma_Big Data Analytics__Christine Elizabeth Danitha Hutapea_.pptx
+++ b/Final Task_Kimia Farma_Big Data Analytics__Christine Elizabeth Danitha Hutapea_.pptx
@@ -305,7 +305,7 @@
       </p15:sldGuideLst>
     </p:ext>
     <p:ext uri="GoogleSlidesCustomDataVersion2">
-      <go:slidesCustomData xmlns:go="http://customooxmlschemas.google.com/" xmlns:ahyp="http://schemas.microsoft.com/office/drawing/2018/hyperlinkcolor" xmlns:p15="http://schemas.microsoft.com/office/powerpoint/2012/main" xmlns:p14="http://schemas.microsoft.com/office/powerpoint/2010/main" xmlns:com="http://schemas.openxmlformats.org/drawingml/2006/compatibility" xmlns:pvml="urn:schemas-microsoft-com:office:powerpoint" xmlns:v="urn:schemas-microsoft-com:vml" xmlns:o="urn:schemas-microsoft-com:office:office" xmlns:dgm="http://schemas.openxmlformats.org/drawingml/2006/diagram" xmlns:c="http://schemas.openxmlformats.org/drawingml/2006/chart" xmlns:mv="urn:schemas-microsoft-com:mac:vml" xmlns:mc="http://schemas.openxmlformats.org/markup-compatibility/2006" xmlns="" r:id="rId37" roundtripDataSignature="AMtx7mi1nl8uAJepcjcA2CnLI/GAkZtj/Q=="/>
+      <go:slidesCustomData xmlns="" xmlns:mc="http://schemas.openxmlformats.org/markup-compatibility/2006" xmlns:mv="urn:schemas-microsoft-com:mac:vml" xmlns:c="http://schemas.openxmlformats.org/drawingml/2006/chart" xmlns:dgm="http://schemas.openxmlformats.org/drawingml/2006/diagram" xmlns:o="urn:schemas-microsoft-com:office:office" xmlns:v="urn:schemas-microsoft-com:vml" xmlns:pvml="urn:schemas-microsoft-com:office:powerpoint" xmlns:com="http://schemas.openxmlformats.org/drawingml/2006/compatibility" xmlns:p14="http://schemas.microsoft.com/office/powerpoint/2010/main" xmlns:p15="http://schemas.microsoft.com/office/powerpoint/2012/main" xmlns:ahyp="http://schemas.microsoft.com/office/drawing/2018/hyperlinkcolor" xmlns:go="http://customooxmlschemas.google.com/" r:id="rId37" roundtripDataSignature="AMtx7mi1nl8uAJepcjcA2CnLI/GAkZtj/Q=="/>
     </p:ext>
   </p:extLst>
 </p:presentation>
@@ -15360,110 +15360,92 @@
               <a:t>, </a:t>
             </a:r>
             <a:r>
-              <a:rPr lang="en-ID" sz="1100" dirty="0" err="1">
-                <a:latin typeface="Roboto Mono" panose="020F0502020204030204" pitchFamily="49" charset="0"/>
-              </a:rPr>
-              <a:t>nett_sales</a:t>
-            </a:r>
-            <a:r>
-              <a:rPr lang="en-ID" sz="1100" dirty="0">
-                <a:solidFill>
-                  <a:srgbClr val="37474F"/>
-                </a:solidFill>
-                <a:latin typeface="Roboto Mono" panose="020F0502020204030204" pitchFamily="49" charset="0"/>
-              </a:rPr>
-              <a:t>-(</a:t>
-            </a:r>
-            <a:r>
-              <a:rPr lang="en-ID" sz="1100" dirty="0" err="1">
+              <a:rPr lang="en-US" sz="1100" dirty="0">
+                <a:solidFill>
+                  <a:schemeClr val="tx1"/>
+                </a:solidFill>
+                <a:latin typeface="Roboto Mono" panose="020F0502020204030204" pitchFamily="49" charset="0"/>
+              </a:rPr>
+              <a:t>(</a:t>
+            </a:r>
+            <a:r>
+              <a:rPr lang="en-US" sz="1100" dirty="0" err="1">
+                <a:solidFill>
+                  <a:schemeClr val="tx1"/>
+                </a:solidFill>
                 <a:latin typeface="Roboto Mono" panose="020F0502020204030204" pitchFamily="49" charset="0"/>
               </a:rPr>
               <a:t>actual_price</a:t>
             </a:r>
             <a:r>
-              <a:rPr lang="en-ID" sz="1100" dirty="0">
-                <a:solidFill>
-                  <a:srgbClr val="37474F"/>
-                </a:solidFill>
-                <a:latin typeface="Roboto Mono" panose="020F0502020204030204" pitchFamily="49" charset="0"/>
-              </a:rPr>
-              <a:t>/(</a:t>
-            </a:r>
-            <a:r>
-              <a:rPr lang="en-ID" sz="1100" dirty="0">
-                <a:solidFill>
-                  <a:srgbClr val="F4511E"/>
-                </a:solidFill>
-                <a:latin typeface="Roboto Mono" panose="020F0502020204030204" pitchFamily="49" charset="0"/>
-              </a:rPr>
-              <a:t>1</a:t>
-            </a:r>
-            <a:r>
-              <a:rPr lang="en-ID" sz="1100" dirty="0">
-                <a:solidFill>
-                  <a:srgbClr val="37474F"/>
-                </a:solidFill>
-                <a:latin typeface="Roboto Mono" panose="020F0502020204030204" pitchFamily="49" charset="0"/>
-              </a:rPr>
-              <a:t>+</a:t>
-            </a:r>
-            <a:r>
-              <a:rPr lang="en-ID" sz="1100" dirty="0">
+              <a:rPr lang="en-US" sz="1100" dirty="0">
+                <a:solidFill>
+                  <a:schemeClr val="tx1"/>
+                </a:solidFill>
+                <a:latin typeface="Roboto Mono" panose="020F0502020204030204" pitchFamily="49" charset="0"/>
+              </a:rPr>
+              <a:t>*</a:t>
+            </a:r>
+            <a:r>
+              <a:rPr lang="en-US" sz="1100" dirty="0" err="1">
+                <a:solidFill>
+                  <a:schemeClr val="tx1"/>
+                </a:solidFill>
                 <a:latin typeface="Roboto Mono" panose="020F0502020204030204" pitchFamily="49" charset="0"/>
               </a:rPr>
               <a:t>persentase_gross_laba</a:t>
             </a:r>
             <a:r>
-              <a:rPr lang="en-ID" sz="1100" dirty="0">
-                <a:solidFill>
-                  <a:srgbClr val="37474F"/>
-                </a:solidFill>
-                <a:latin typeface="Roboto Mono" panose="020F0502020204030204" pitchFamily="49" charset="0"/>
-              </a:rPr>
-              <a:t>))</a:t>
-            </a:r>
-            <a:r>
-              <a:rPr lang="en-ID" sz="1100" dirty="0">
-                <a:solidFill>
-                  <a:srgbClr val="3A474E"/>
-                </a:solidFill>
-                <a:latin typeface="Roboto Mono" panose="020F0502020204030204" pitchFamily="49" charset="0"/>
-              </a:rPr>
-              <a:t> </a:t>
-            </a:r>
-            <a:r>
-              <a:rPr lang="en-ID" sz="1100" dirty="0">
-                <a:solidFill>
-                  <a:srgbClr val="3367D6"/>
-                </a:solidFill>
-                <a:latin typeface="Roboto Mono" panose="020F0502020204030204" pitchFamily="49" charset="0"/>
-              </a:rPr>
-              <a:t>AS</a:t>
-            </a:r>
-            <a:r>
-              <a:rPr lang="en-ID" sz="1100" dirty="0">
-                <a:solidFill>
-                  <a:srgbClr val="3A474E"/>
-                </a:solidFill>
-                <a:latin typeface="Roboto Mono" panose="020F0502020204030204" pitchFamily="49" charset="0"/>
-              </a:rPr>
-              <a:t> </a:t>
-            </a:r>
-            <a:r>
-              <a:rPr lang="en-ID" sz="1100" dirty="0" err="1">
+              <a:rPr lang="en-US" sz="1100" dirty="0">
+                <a:solidFill>
+                  <a:schemeClr val="tx1"/>
+                </a:solidFill>
+                <a:latin typeface="Roboto Mono" panose="020F0502020204030204" pitchFamily="49" charset="0"/>
+              </a:rPr>
+              <a:t>)-(</a:t>
+            </a:r>
+            <a:r>
+              <a:rPr lang="en-US" sz="1100" dirty="0" err="1">
+                <a:solidFill>
+                  <a:schemeClr val="tx1"/>
+                </a:solidFill>
+                <a:latin typeface="Roboto Mono" panose="020F0502020204030204" pitchFamily="49" charset="0"/>
+              </a:rPr>
+              <a:t>actual_price-nett_sales</a:t>
+            </a:r>
+            <a:r>
+              <a:rPr lang="en-US" sz="1100" dirty="0">
+                <a:solidFill>
+                  <a:schemeClr val="tx1"/>
+                </a:solidFill>
+                <a:latin typeface="Roboto Mono" panose="020F0502020204030204" pitchFamily="49" charset="0"/>
+              </a:rPr>
+              <a:t>) </a:t>
+            </a:r>
+            <a:r>
+              <a:rPr lang="en-US" sz="1100" dirty="0" err="1">
+                <a:solidFill>
+                  <a:schemeClr val="tx1"/>
+                </a:solidFill>
                 <a:latin typeface="Roboto Mono" panose="020F0502020204030204" pitchFamily="49" charset="0"/>
               </a:rPr>
               <a:t>nett_profit</a:t>
             </a:r>
             <a:r>
-              <a:rPr lang="en-ID" sz="1100" dirty="0">
-                <a:solidFill>
-                  <a:srgbClr val="3A474E"/>
+              <a:rPr lang="en-US" sz="1100" dirty="0">
+                <a:solidFill>
+                  <a:schemeClr val="tx1"/>
                 </a:solidFill>
                 <a:latin typeface="Roboto Mono" panose="020F0502020204030204" pitchFamily="49" charset="0"/>
               </a:rPr>
               <a:t>,</a:t>
             </a:r>
+            <a:endParaRPr lang="en-ID" sz="1100" dirty="0">
+              <a:solidFill>
+                <a:schemeClr val="tx1"/>
+              </a:solidFill>
+              <a:latin typeface="Roboto Mono" panose="020F0502020204030204" pitchFamily="49" charset="0"/>
+            </a:endParaRPr>
           </a:p>
           <a:p>
             <a:r>
